--- a/instructions/illustration2.pptx
+++ b/instructions/illustration2.pptx
@@ -257,7 +257,7 @@
           <a:p>
             <a:fld id="{3BF01740-10C1-47EC-BA42-91ADC7C700EB}" type="datetimeFigureOut">
               <a:rPr lang="en-GB" smtClean="0"/>
-              <a:t>06/12/2024</a:t>
+              <a:t>21/06/2025</a:t>
             </a:fld>
             <a:endParaRPr lang="en-GB"/>
           </a:p>
@@ -427,7 +427,7 @@
           <a:p>
             <a:fld id="{3BF01740-10C1-47EC-BA42-91ADC7C700EB}" type="datetimeFigureOut">
               <a:rPr lang="en-GB" smtClean="0"/>
-              <a:t>06/12/2024</a:t>
+              <a:t>21/06/2025</a:t>
             </a:fld>
             <a:endParaRPr lang="en-GB"/>
           </a:p>
@@ -607,7 +607,7 @@
           <a:p>
             <a:fld id="{3BF01740-10C1-47EC-BA42-91ADC7C700EB}" type="datetimeFigureOut">
               <a:rPr lang="en-GB" smtClean="0"/>
-              <a:t>06/12/2024</a:t>
+              <a:t>21/06/2025</a:t>
             </a:fld>
             <a:endParaRPr lang="en-GB"/>
           </a:p>
@@ -777,7 +777,7 @@
           <a:p>
             <a:fld id="{3BF01740-10C1-47EC-BA42-91ADC7C700EB}" type="datetimeFigureOut">
               <a:rPr lang="en-GB" smtClean="0"/>
-              <a:t>06/12/2024</a:t>
+              <a:t>21/06/2025</a:t>
             </a:fld>
             <a:endParaRPr lang="en-GB"/>
           </a:p>
@@ -1023,7 +1023,7 @@
           <a:p>
             <a:fld id="{3BF01740-10C1-47EC-BA42-91ADC7C700EB}" type="datetimeFigureOut">
               <a:rPr lang="en-GB" smtClean="0"/>
-              <a:t>06/12/2024</a:t>
+              <a:t>21/06/2025</a:t>
             </a:fld>
             <a:endParaRPr lang="en-GB"/>
           </a:p>
@@ -1255,7 +1255,7 @@
           <a:p>
             <a:fld id="{3BF01740-10C1-47EC-BA42-91ADC7C700EB}" type="datetimeFigureOut">
               <a:rPr lang="en-GB" smtClean="0"/>
-              <a:t>06/12/2024</a:t>
+              <a:t>21/06/2025</a:t>
             </a:fld>
             <a:endParaRPr lang="en-GB"/>
           </a:p>
@@ -1622,7 +1622,7 @@
           <a:p>
             <a:fld id="{3BF01740-10C1-47EC-BA42-91ADC7C700EB}" type="datetimeFigureOut">
               <a:rPr lang="en-GB" smtClean="0"/>
-              <a:t>06/12/2024</a:t>
+              <a:t>21/06/2025</a:t>
             </a:fld>
             <a:endParaRPr lang="en-GB"/>
           </a:p>
@@ -1740,7 +1740,7 @@
           <a:p>
             <a:fld id="{3BF01740-10C1-47EC-BA42-91ADC7C700EB}" type="datetimeFigureOut">
               <a:rPr lang="en-GB" smtClean="0"/>
-              <a:t>06/12/2024</a:t>
+              <a:t>21/06/2025</a:t>
             </a:fld>
             <a:endParaRPr lang="en-GB"/>
           </a:p>
@@ -1835,7 +1835,7 @@
           <a:p>
             <a:fld id="{3BF01740-10C1-47EC-BA42-91ADC7C700EB}" type="datetimeFigureOut">
               <a:rPr lang="en-GB" smtClean="0"/>
-              <a:t>06/12/2024</a:t>
+              <a:t>21/06/2025</a:t>
             </a:fld>
             <a:endParaRPr lang="en-GB"/>
           </a:p>
@@ -2112,7 +2112,7 @@
           <a:p>
             <a:fld id="{3BF01740-10C1-47EC-BA42-91ADC7C700EB}" type="datetimeFigureOut">
               <a:rPr lang="en-GB" smtClean="0"/>
-              <a:t>06/12/2024</a:t>
+              <a:t>21/06/2025</a:t>
             </a:fld>
             <a:endParaRPr lang="en-GB"/>
           </a:p>
@@ -2369,7 +2369,7 @@
           <a:p>
             <a:fld id="{3BF01740-10C1-47EC-BA42-91ADC7C700EB}" type="datetimeFigureOut">
               <a:rPr lang="en-GB" smtClean="0"/>
-              <a:t>06/12/2024</a:t>
+              <a:t>21/06/2025</a:t>
             </a:fld>
             <a:endParaRPr lang="en-GB"/>
           </a:p>
@@ -2582,7 +2582,7 @@
           <a:p>
             <a:fld id="{3BF01740-10C1-47EC-BA42-91ADC7C700EB}" type="datetimeFigureOut">
               <a:rPr lang="en-GB" smtClean="0"/>
-              <a:t>06/12/2024</a:t>
+              <a:t>21/06/2025</a:t>
             </a:fld>
             <a:endParaRPr lang="en-GB"/>
           </a:p>
@@ -3022,6 +3022,92 @@
           </a:prstGeom>
         </p:spPr>
       </p:pic>
+      <p:sp>
+        <p:nvSpPr>
+          <p:cNvPr id="2" name="文本框 1">
+            <a:extLst>
+              <a:ext uri="{FF2B5EF4-FFF2-40B4-BE49-F238E27FC236}">
+                <a16:creationId xmlns:a16="http://schemas.microsoft.com/office/drawing/2014/main" id="{579C7477-FEDA-6A58-175B-638DF19CC2E0}"/>
+              </a:ext>
+            </a:extLst>
+          </p:cNvPr>
+          <p:cNvSpPr txBox="1"/>
+          <p:nvPr/>
+        </p:nvSpPr>
+        <p:spPr>
+          <a:xfrm>
+            <a:off x="4236041" y="287755"/>
+            <a:ext cx="925253" cy="253916"/>
+          </a:xfrm>
+          <a:prstGeom prst="rect">
+            <a:avLst/>
+          </a:prstGeom>
+          <a:noFill/>
+        </p:spPr>
+        <p:txBody>
+          <a:bodyPr wrap="none" rtlCol="0">
+            <a:spAutoFit/>
+          </a:bodyPr>
+          <a:lstStyle/>
+          <a:p>
+            <a:pPr algn="ctr"/>
+            <a:r>
+              <a:rPr lang="en-US" altLang="zh-CN" sz="1000" dirty="0">
+                <a:latin typeface="思源黑体" panose="020B0500000000000000" pitchFamily="34" charset="-128"/>
+                <a:ea typeface="思源黑体" panose="020B0500000000000000" pitchFamily="34" charset="-128"/>
+              </a:rPr>
+              <a:t>(amplitude)</a:t>
+            </a:r>
+            <a:endParaRPr lang="zh-CN" altLang="en-US" sz="1400" dirty="0">
+              <a:latin typeface="思源黑体" panose="020B0500000000000000" pitchFamily="34" charset="-128"/>
+              <a:ea typeface="思源黑体" panose="020B0500000000000000" pitchFamily="34" charset="-128"/>
+            </a:endParaRPr>
+          </a:p>
+        </p:txBody>
+      </p:sp>
+      <p:sp>
+        <p:nvSpPr>
+          <p:cNvPr id="3" name="文本框 2">
+            <a:extLst>
+              <a:ext uri="{FF2B5EF4-FFF2-40B4-BE49-F238E27FC236}">
+                <a16:creationId xmlns:a16="http://schemas.microsoft.com/office/drawing/2014/main" id="{163269C4-077C-2CC7-3664-24906BDD9098}"/>
+              </a:ext>
+            </a:extLst>
+          </p:cNvPr>
+          <p:cNvSpPr txBox="1"/>
+          <p:nvPr/>
+        </p:nvSpPr>
+        <p:spPr>
+          <a:xfrm>
+            <a:off x="7313589" y="2477503"/>
+            <a:ext cx="925253" cy="253916"/>
+          </a:xfrm>
+          <a:prstGeom prst="rect">
+            <a:avLst/>
+          </a:prstGeom>
+          <a:noFill/>
+        </p:spPr>
+        <p:txBody>
+          <a:bodyPr wrap="none" rtlCol="0">
+            <a:spAutoFit/>
+          </a:bodyPr>
+          <a:lstStyle/>
+          <a:p>
+            <a:pPr algn="ctr"/>
+            <a:r>
+              <a:rPr lang="en-US" altLang="zh-CN" sz="1000" dirty="0">
+                <a:latin typeface="思源黑体" panose="020B0500000000000000" pitchFamily="34" charset="-128"/>
+                <a:ea typeface="思源黑体" panose="020B0500000000000000" pitchFamily="34" charset="-128"/>
+              </a:rPr>
+              <a:t>(amplitude)</a:t>
+            </a:r>
+            <a:endParaRPr lang="zh-CN" altLang="en-US" sz="1400" dirty="0">
+              <a:latin typeface="思源黑体" panose="020B0500000000000000" pitchFamily="34" charset="-128"/>
+              <a:ea typeface="思源黑体" panose="020B0500000000000000" pitchFamily="34" charset="-128"/>
+            </a:endParaRPr>
+          </a:p>
+        </p:txBody>
+      </p:sp>
     </p:spTree>
     <p:extLst>
       <p:ext uri="{BB962C8B-B14F-4D97-AF65-F5344CB8AC3E}">

--- a/instructions/illustration2.pptx
+++ b/instructions/illustration2.pptx
@@ -257,7 +257,7 @@
           <a:p>
             <a:fld id="{3BF01740-10C1-47EC-BA42-91ADC7C700EB}" type="datetimeFigureOut">
               <a:rPr lang="en-GB" smtClean="0"/>
-              <a:t>21/06/2025</a:t>
+              <a:t>23/06/2025</a:t>
             </a:fld>
             <a:endParaRPr lang="en-GB"/>
           </a:p>
@@ -427,7 +427,7 @@
           <a:p>
             <a:fld id="{3BF01740-10C1-47EC-BA42-91ADC7C700EB}" type="datetimeFigureOut">
               <a:rPr lang="en-GB" smtClean="0"/>
-              <a:t>21/06/2025</a:t>
+              <a:t>23/06/2025</a:t>
             </a:fld>
             <a:endParaRPr lang="en-GB"/>
           </a:p>
@@ -607,7 +607,7 @@
           <a:p>
             <a:fld id="{3BF01740-10C1-47EC-BA42-91ADC7C700EB}" type="datetimeFigureOut">
               <a:rPr lang="en-GB" smtClean="0"/>
-              <a:t>21/06/2025</a:t>
+              <a:t>23/06/2025</a:t>
             </a:fld>
             <a:endParaRPr lang="en-GB"/>
           </a:p>
@@ -777,7 +777,7 @@
           <a:p>
             <a:fld id="{3BF01740-10C1-47EC-BA42-91ADC7C700EB}" type="datetimeFigureOut">
               <a:rPr lang="en-GB" smtClean="0"/>
-              <a:t>21/06/2025</a:t>
+              <a:t>23/06/2025</a:t>
             </a:fld>
             <a:endParaRPr lang="en-GB"/>
           </a:p>
@@ -1023,7 +1023,7 @@
           <a:p>
             <a:fld id="{3BF01740-10C1-47EC-BA42-91ADC7C700EB}" type="datetimeFigureOut">
               <a:rPr lang="en-GB" smtClean="0"/>
-              <a:t>21/06/2025</a:t>
+              <a:t>23/06/2025</a:t>
             </a:fld>
             <a:endParaRPr lang="en-GB"/>
           </a:p>
@@ -1255,7 +1255,7 @@
           <a:p>
             <a:fld id="{3BF01740-10C1-47EC-BA42-91ADC7C700EB}" type="datetimeFigureOut">
               <a:rPr lang="en-GB" smtClean="0"/>
-              <a:t>21/06/2025</a:t>
+              <a:t>23/06/2025</a:t>
             </a:fld>
             <a:endParaRPr lang="en-GB"/>
           </a:p>
@@ -1622,7 +1622,7 @@
           <a:p>
             <a:fld id="{3BF01740-10C1-47EC-BA42-91ADC7C700EB}" type="datetimeFigureOut">
               <a:rPr lang="en-GB" smtClean="0"/>
-              <a:t>21/06/2025</a:t>
+              <a:t>23/06/2025</a:t>
             </a:fld>
             <a:endParaRPr lang="en-GB"/>
           </a:p>
@@ -1740,7 +1740,7 @@
           <a:p>
             <a:fld id="{3BF01740-10C1-47EC-BA42-91ADC7C700EB}" type="datetimeFigureOut">
               <a:rPr lang="en-GB" smtClean="0"/>
-              <a:t>21/06/2025</a:t>
+              <a:t>23/06/2025</a:t>
             </a:fld>
             <a:endParaRPr lang="en-GB"/>
           </a:p>
@@ -1835,7 +1835,7 @@
           <a:p>
             <a:fld id="{3BF01740-10C1-47EC-BA42-91ADC7C700EB}" type="datetimeFigureOut">
               <a:rPr lang="en-GB" smtClean="0"/>
-              <a:t>21/06/2025</a:t>
+              <a:t>23/06/2025</a:t>
             </a:fld>
             <a:endParaRPr lang="en-GB"/>
           </a:p>
@@ -2112,7 +2112,7 @@
           <a:p>
             <a:fld id="{3BF01740-10C1-47EC-BA42-91ADC7C700EB}" type="datetimeFigureOut">
               <a:rPr lang="en-GB" smtClean="0"/>
-              <a:t>21/06/2025</a:t>
+              <a:t>23/06/2025</a:t>
             </a:fld>
             <a:endParaRPr lang="en-GB"/>
           </a:p>
@@ -2369,7 +2369,7 @@
           <a:p>
             <a:fld id="{3BF01740-10C1-47EC-BA42-91ADC7C700EB}" type="datetimeFigureOut">
               <a:rPr lang="en-GB" smtClean="0"/>
-              <a:t>21/06/2025</a:t>
+              <a:t>23/06/2025</a:t>
             </a:fld>
             <a:endParaRPr lang="en-GB"/>
           </a:p>
@@ -2582,7 +2582,7 @@
           <a:p>
             <a:fld id="{3BF01740-10C1-47EC-BA42-91ADC7C700EB}" type="datetimeFigureOut">
               <a:rPr lang="en-GB" smtClean="0"/>
-              <a:t>21/06/2025</a:t>
+              <a:t>23/06/2025</a:t>
             </a:fld>
             <a:endParaRPr lang="en-GB"/>
           </a:p>
@@ -3208,6 +3208,97 @@
           </a:prstGeom>
         </p:spPr>
       </p:pic>
+      <p:cxnSp>
+        <p:nvCxnSpPr>
+          <p:cNvPr id="5" name="直接连接符 4">
+            <a:extLst>
+              <a:ext uri="{FF2B5EF4-FFF2-40B4-BE49-F238E27FC236}">
+                <a16:creationId xmlns:a16="http://schemas.microsoft.com/office/drawing/2014/main" id="{64FF0053-5449-823D-57AF-386D1DE02649}"/>
+              </a:ext>
+            </a:extLst>
+          </p:cNvPr>
+          <p:cNvCxnSpPr>
+            <a:cxnSpLocks/>
+          </p:cNvCxnSpPr>
+          <p:nvPr/>
+        </p:nvCxnSpPr>
+        <p:spPr>
+          <a:xfrm>
+            <a:off x="6721642" y="874295"/>
+            <a:ext cx="0" cy="1668378"/>
+          </a:xfrm>
+          <a:prstGeom prst="line">
+            <a:avLst/>
+          </a:prstGeom>
+          <a:ln w="28575">
+            <a:solidFill>
+              <a:srgbClr val="C00000"/>
+            </a:solidFill>
+          </a:ln>
+        </p:spPr>
+        <p:style>
+          <a:lnRef idx="2">
+            <a:schemeClr val="accent1"/>
+          </a:lnRef>
+          <a:fillRef idx="0">
+            <a:schemeClr val="accent1"/>
+          </a:fillRef>
+          <a:effectRef idx="1">
+            <a:schemeClr val="accent1"/>
+          </a:effectRef>
+          <a:fontRef idx="minor">
+            <a:schemeClr val="tx1"/>
+          </a:fontRef>
+        </p:style>
+      </p:cxnSp>
+      <p:sp>
+        <p:nvSpPr>
+          <p:cNvPr id="7" name="文本框 6">
+            <a:extLst>
+              <a:ext uri="{FF2B5EF4-FFF2-40B4-BE49-F238E27FC236}">
+                <a16:creationId xmlns:a16="http://schemas.microsoft.com/office/drawing/2014/main" id="{36C0F791-87AB-A90F-FD0E-13CCFBD98DA5}"/>
+              </a:ext>
+            </a:extLst>
+          </p:cNvPr>
+          <p:cNvSpPr txBox="1"/>
+          <p:nvPr/>
+        </p:nvSpPr>
+        <p:spPr>
+          <a:xfrm>
+            <a:off x="6347597" y="535741"/>
+            <a:ext cx="748090" cy="338554"/>
+          </a:xfrm>
+          <a:prstGeom prst="rect">
+            <a:avLst/>
+          </a:prstGeom>
+          <a:noFill/>
+        </p:spPr>
+        <p:txBody>
+          <a:bodyPr wrap="none" rtlCol="0">
+            <a:spAutoFit/>
+          </a:bodyPr>
+          <a:lstStyle/>
+          <a:p>
+            <a:r>
+              <a:rPr lang="en-US" altLang="zh-CN" sz="1600" b="1" dirty="0">
+                <a:solidFill>
+                  <a:srgbClr val="C00000"/>
+                </a:solidFill>
+                <a:latin typeface="思源黑体" panose="020B0500000000000000" pitchFamily="34" charset="-128"/>
+                <a:ea typeface="思源黑体" panose="020B0500000000000000" pitchFamily="34" charset="-128"/>
+              </a:rPr>
+              <a:t>onset</a:t>
+            </a:r>
+            <a:endParaRPr lang="zh-CN" altLang="en-US" sz="1600" b="1" dirty="0">
+              <a:solidFill>
+                <a:srgbClr val="C00000"/>
+              </a:solidFill>
+              <a:latin typeface="思源黑体" panose="020B0500000000000000" pitchFamily="34" charset="-128"/>
+              <a:ea typeface="思源黑体" panose="020B0500000000000000" pitchFamily="34" charset="-128"/>
+            </a:endParaRPr>
+          </a:p>
+        </p:txBody>
+      </p:sp>
     </p:spTree>
     <p:extLst>
       <p:ext uri="{BB962C8B-B14F-4D97-AF65-F5344CB8AC3E}">
